--- a/00. 기획 수업/컨셉 기획서/참고 자료/200627 컨셉 기획_흐름 도식화.pptx
+++ b/00. 기획 수업/컨셉 기획서/참고 자료/200627 컨셉 기획_흐름 도식화.pptx
@@ -105,6 +105,11 @@
       </a:defRPr>
     </a:lvl9pPr>
   </p:defaultTextStyle>
+  <p:extLst>
+    <p:ext uri="{EFAFB233-063F-42B5-8137-9DF3F51BA10A}">
+      <p15:sldGuideLst xmlns:p15="http://schemas.microsoft.com/office/powerpoint/2012/main"/>
+    </p:ext>
+  </p:extLst>
 </p:presentation>
 </file>
 
@@ -150,10 +155,9 @@
           </a:lstStyle>
           <a:p>
             <a:r>
-              <a:rPr lang="ko-KR" altLang="en-US" smtClean="0"/>
+              <a:rPr lang="ko-KR" altLang="en-US"/>
               <a:t>마스터 제목 스타일 편집</a:t>
             </a:r>
-            <a:endParaRPr lang="ko-KR" altLang="en-US"/>
           </a:p>
         </p:txBody>
       </p:sp>
@@ -215,10 +219,9 @@
           </a:lstStyle>
           <a:p>
             <a:r>
-              <a:rPr lang="ko-KR" altLang="en-US" smtClean="0"/>
+              <a:rPr lang="ko-KR" altLang="en-US"/>
               <a:t>클릭하여 마스터 부제목 스타일 편집</a:t>
             </a:r>
-            <a:endParaRPr lang="ko-KR" altLang="en-US"/>
           </a:p>
         </p:txBody>
       </p:sp>
@@ -239,7 +242,7 @@
           <a:p>
             <a:fld id="{9102E0F3-1E43-4FFD-B56B-5FA86132FE65}" type="datetimeFigureOut">
               <a:rPr lang="ko-KR" altLang="en-US" smtClean="0"/>
-              <a:t>2020-06-27</a:t>
+              <a:t>2020-08-01</a:t>
             </a:fld>
             <a:endParaRPr lang="ko-KR" altLang="en-US"/>
           </a:p>
@@ -333,10 +336,9 @@
           <a:lstStyle/>
           <a:p>
             <a:r>
-              <a:rPr lang="ko-KR" altLang="en-US" smtClean="0"/>
+              <a:rPr lang="ko-KR" altLang="en-US"/>
               <a:t>마스터 제목 스타일 편집</a:t>
             </a:r>
-            <a:endParaRPr lang="ko-KR" altLang="en-US"/>
           </a:p>
         </p:txBody>
       </p:sp>
@@ -357,38 +359,37 @@
           <a:p>
             <a:pPr lvl="0"/>
             <a:r>
-              <a:rPr lang="ko-KR" altLang="en-US" smtClean="0"/>
+              <a:rPr lang="ko-KR" altLang="en-US"/>
               <a:t>마스터 텍스트 스타일 편집</a:t>
             </a:r>
           </a:p>
           <a:p>
             <a:pPr lvl="1"/>
             <a:r>
-              <a:rPr lang="ko-KR" altLang="en-US" smtClean="0"/>
+              <a:rPr lang="ko-KR" altLang="en-US"/>
               <a:t>둘째 수준</a:t>
             </a:r>
           </a:p>
           <a:p>
             <a:pPr lvl="2"/>
             <a:r>
-              <a:rPr lang="ko-KR" altLang="en-US" smtClean="0"/>
+              <a:rPr lang="ko-KR" altLang="en-US"/>
               <a:t>셋째 수준</a:t>
             </a:r>
           </a:p>
           <a:p>
             <a:pPr lvl="3"/>
             <a:r>
-              <a:rPr lang="ko-KR" altLang="en-US" smtClean="0"/>
+              <a:rPr lang="ko-KR" altLang="en-US"/>
               <a:t>넷째 수준</a:t>
             </a:r>
           </a:p>
           <a:p>
             <a:pPr lvl="4"/>
             <a:r>
-              <a:rPr lang="ko-KR" altLang="en-US" smtClean="0"/>
+              <a:rPr lang="ko-KR" altLang="en-US"/>
               <a:t>다섯째 수준</a:t>
             </a:r>
-            <a:endParaRPr lang="ko-KR" altLang="en-US"/>
           </a:p>
         </p:txBody>
       </p:sp>
@@ -409,7 +410,7 @@
           <a:p>
             <a:fld id="{9102E0F3-1E43-4FFD-B56B-5FA86132FE65}" type="datetimeFigureOut">
               <a:rPr lang="ko-KR" altLang="en-US" smtClean="0"/>
-              <a:t>2020-06-27</a:t>
+              <a:t>2020-08-01</a:t>
             </a:fld>
             <a:endParaRPr lang="ko-KR" altLang="en-US"/>
           </a:p>
@@ -508,10 +509,9 @@
           <a:lstStyle/>
           <a:p>
             <a:r>
-              <a:rPr lang="ko-KR" altLang="en-US" smtClean="0"/>
+              <a:rPr lang="ko-KR" altLang="en-US"/>
               <a:t>마스터 제목 스타일 편집</a:t>
             </a:r>
-            <a:endParaRPr lang="ko-KR" altLang="en-US"/>
           </a:p>
         </p:txBody>
       </p:sp>
@@ -537,38 +537,37 @@
           <a:p>
             <a:pPr lvl="0"/>
             <a:r>
-              <a:rPr lang="ko-KR" altLang="en-US" smtClean="0"/>
+              <a:rPr lang="ko-KR" altLang="en-US"/>
               <a:t>마스터 텍스트 스타일 편집</a:t>
             </a:r>
           </a:p>
           <a:p>
             <a:pPr lvl="1"/>
             <a:r>
-              <a:rPr lang="ko-KR" altLang="en-US" smtClean="0"/>
+              <a:rPr lang="ko-KR" altLang="en-US"/>
               <a:t>둘째 수준</a:t>
             </a:r>
           </a:p>
           <a:p>
             <a:pPr lvl="2"/>
             <a:r>
-              <a:rPr lang="ko-KR" altLang="en-US" smtClean="0"/>
+              <a:rPr lang="ko-KR" altLang="en-US"/>
               <a:t>셋째 수준</a:t>
             </a:r>
           </a:p>
           <a:p>
             <a:pPr lvl="3"/>
             <a:r>
-              <a:rPr lang="ko-KR" altLang="en-US" smtClean="0"/>
+              <a:rPr lang="ko-KR" altLang="en-US"/>
               <a:t>넷째 수준</a:t>
             </a:r>
           </a:p>
           <a:p>
             <a:pPr lvl="4"/>
             <a:r>
-              <a:rPr lang="ko-KR" altLang="en-US" smtClean="0"/>
+              <a:rPr lang="ko-KR" altLang="en-US"/>
               <a:t>다섯째 수준</a:t>
             </a:r>
-            <a:endParaRPr lang="ko-KR" altLang="en-US"/>
           </a:p>
         </p:txBody>
       </p:sp>
@@ -589,7 +588,7 @@
           <a:p>
             <a:fld id="{9102E0F3-1E43-4FFD-B56B-5FA86132FE65}" type="datetimeFigureOut">
               <a:rPr lang="ko-KR" altLang="en-US" smtClean="0"/>
-              <a:t>2020-06-27</a:t>
+              <a:t>2020-08-01</a:t>
             </a:fld>
             <a:endParaRPr lang="ko-KR" altLang="en-US"/>
           </a:p>
@@ -683,10 +682,9 @@
           <a:lstStyle/>
           <a:p>
             <a:r>
-              <a:rPr lang="ko-KR" altLang="en-US" smtClean="0"/>
+              <a:rPr lang="ko-KR" altLang="en-US"/>
               <a:t>마스터 제목 스타일 편집</a:t>
             </a:r>
-            <a:endParaRPr lang="ko-KR" altLang="en-US"/>
           </a:p>
         </p:txBody>
       </p:sp>
@@ -707,38 +705,37 @@
           <a:p>
             <a:pPr lvl="0"/>
             <a:r>
-              <a:rPr lang="ko-KR" altLang="en-US" smtClean="0"/>
+              <a:rPr lang="ko-KR" altLang="en-US"/>
               <a:t>마스터 텍스트 스타일 편집</a:t>
             </a:r>
           </a:p>
           <a:p>
             <a:pPr lvl="1"/>
             <a:r>
-              <a:rPr lang="ko-KR" altLang="en-US" smtClean="0"/>
+              <a:rPr lang="ko-KR" altLang="en-US"/>
               <a:t>둘째 수준</a:t>
             </a:r>
           </a:p>
           <a:p>
             <a:pPr lvl="2"/>
             <a:r>
-              <a:rPr lang="ko-KR" altLang="en-US" smtClean="0"/>
+              <a:rPr lang="ko-KR" altLang="en-US"/>
               <a:t>셋째 수준</a:t>
             </a:r>
           </a:p>
           <a:p>
             <a:pPr lvl="3"/>
             <a:r>
-              <a:rPr lang="ko-KR" altLang="en-US" smtClean="0"/>
+              <a:rPr lang="ko-KR" altLang="en-US"/>
               <a:t>넷째 수준</a:t>
             </a:r>
           </a:p>
           <a:p>
             <a:pPr lvl="4"/>
             <a:r>
-              <a:rPr lang="ko-KR" altLang="en-US" smtClean="0"/>
+              <a:rPr lang="ko-KR" altLang="en-US"/>
               <a:t>다섯째 수준</a:t>
             </a:r>
-            <a:endParaRPr lang="ko-KR" altLang="en-US"/>
           </a:p>
         </p:txBody>
       </p:sp>
@@ -759,7 +756,7 @@
           <a:p>
             <a:fld id="{9102E0F3-1E43-4FFD-B56B-5FA86132FE65}" type="datetimeFigureOut">
               <a:rPr lang="ko-KR" altLang="en-US" smtClean="0"/>
-              <a:t>2020-06-27</a:t>
+              <a:t>2020-08-01</a:t>
             </a:fld>
             <a:endParaRPr lang="ko-KR" altLang="en-US"/>
           </a:p>
@@ -862,10 +859,9 @@
           </a:lstStyle>
           <a:p>
             <a:r>
-              <a:rPr lang="ko-KR" altLang="en-US" smtClean="0"/>
+              <a:rPr lang="ko-KR" altLang="en-US"/>
               <a:t>마스터 제목 스타일 편집</a:t>
             </a:r>
-            <a:endParaRPr lang="ko-KR" altLang="en-US"/>
           </a:p>
         </p:txBody>
       </p:sp>
@@ -982,7 +978,7 @@
           <a:p>
             <a:pPr lvl="0"/>
             <a:r>
-              <a:rPr lang="ko-KR" altLang="en-US" smtClean="0"/>
+              <a:rPr lang="ko-KR" altLang="en-US"/>
               <a:t>마스터 텍스트 스타일 편집</a:t>
             </a:r>
           </a:p>
@@ -1005,7 +1001,7 @@
           <a:p>
             <a:fld id="{9102E0F3-1E43-4FFD-B56B-5FA86132FE65}" type="datetimeFigureOut">
               <a:rPr lang="ko-KR" altLang="en-US" smtClean="0"/>
-              <a:t>2020-06-27</a:t>
+              <a:t>2020-08-01</a:t>
             </a:fld>
             <a:endParaRPr lang="ko-KR" altLang="en-US"/>
           </a:p>
@@ -1099,10 +1095,9 @@
           <a:lstStyle/>
           <a:p>
             <a:r>
-              <a:rPr lang="ko-KR" altLang="en-US" smtClean="0"/>
+              <a:rPr lang="ko-KR" altLang="en-US"/>
               <a:t>마스터 제목 스타일 편집</a:t>
             </a:r>
-            <a:endParaRPr lang="ko-KR" altLang="en-US"/>
           </a:p>
         </p:txBody>
       </p:sp>
@@ -1128,38 +1123,37 @@
           <a:p>
             <a:pPr lvl="0"/>
             <a:r>
-              <a:rPr lang="ko-KR" altLang="en-US" smtClean="0"/>
+              <a:rPr lang="ko-KR" altLang="en-US"/>
               <a:t>마스터 텍스트 스타일 편집</a:t>
             </a:r>
           </a:p>
           <a:p>
             <a:pPr lvl="1"/>
             <a:r>
-              <a:rPr lang="ko-KR" altLang="en-US" smtClean="0"/>
+              <a:rPr lang="ko-KR" altLang="en-US"/>
               <a:t>둘째 수준</a:t>
             </a:r>
           </a:p>
           <a:p>
             <a:pPr lvl="2"/>
             <a:r>
-              <a:rPr lang="ko-KR" altLang="en-US" smtClean="0"/>
+              <a:rPr lang="ko-KR" altLang="en-US"/>
               <a:t>셋째 수준</a:t>
             </a:r>
           </a:p>
           <a:p>
             <a:pPr lvl="3"/>
             <a:r>
-              <a:rPr lang="ko-KR" altLang="en-US" smtClean="0"/>
+              <a:rPr lang="ko-KR" altLang="en-US"/>
               <a:t>넷째 수준</a:t>
             </a:r>
           </a:p>
           <a:p>
             <a:pPr lvl="4"/>
             <a:r>
-              <a:rPr lang="ko-KR" altLang="en-US" smtClean="0"/>
+              <a:rPr lang="ko-KR" altLang="en-US"/>
               <a:t>다섯째 수준</a:t>
             </a:r>
-            <a:endParaRPr lang="ko-KR" altLang="en-US"/>
           </a:p>
         </p:txBody>
       </p:sp>
@@ -1185,38 +1179,37 @@
           <a:p>
             <a:pPr lvl="0"/>
             <a:r>
-              <a:rPr lang="ko-KR" altLang="en-US" smtClean="0"/>
+              <a:rPr lang="ko-KR" altLang="en-US"/>
               <a:t>마스터 텍스트 스타일 편집</a:t>
             </a:r>
           </a:p>
           <a:p>
             <a:pPr lvl="1"/>
             <a:r>
-              <a:rPr lang="ko-KR" altLang="en-US" smtClean="0"/>
+              <a:rPr lang="ko-KR" altLang="en-US"/>
               <a:t>둘째 수준</a:t>
             </a:r>
           </a:p>
           <a:p>
             <a:pPr lvl="2"/>
             <a:r>
-              <a:rPr lang="ko-KR" altLang="en-US" smtClean="0"/>
+              <a:rPr lang="ko-KR" altLang="en-US"/>
               <a:t>셋째 수준</a:t>
             </a:r>
           </a:p>
           <a:p>
             <a:pPr lvl="3"/>
             <a:r>
-              <a:rPr lang="ko-KR" altLang="en-US" smtClean="0"/>
+              <a:rPr lang="ko-KR" altLang="en-US"/>
               <a:t>넷째 수준</a:t>
             </a:r>
           </a:p>
           <a:p>
             <a:pPr lvl="4"/>
             <a:r>
-              <a:rPr lang="ko-KR" altLang="en-US" smtClean="0"/>
+              <a:rPr lang="ko-KR" altLang="en-US"/>
               <a:t>다섯째 수준</a:t>
             </a:r>
-            <a:endParaRPr lang="ko-KR" altLang="en-US"/>
           </a:p>
         </p:txBody>
       </p:sp>
@@ -1237,7 +1230,7 @@
           <a:p>
             <a:fld id="{9102E0F3-1E43-4FFD-B56B-5FA86132FE65}" type="datetimeFigureOut">
               <a:rPr lang="ko-KR" altLang="en-US" smtClean="0"/>
-              <a:t>2020-06-27</a:t>
+              <a:t>2020-08-01</a:t>
             </a:fld>
             <a:endParaRPr lang="ko-KR" altLang="en-US"/>
           </a:p>
@@ -1336,10 +1329,9 @@
           <a:lstStyle/>
           <a:p>
             <a:r>
-              <a:rPr lang="ko-KR" altLang="en-US" smtClean="0"/>
+              <a:rPr lang="ko-KR" altLang="en-US"/>
               <a:t>마스터 제목 스타일 편집</a:t>
             </a:r>
-            <a:endParaRPr lang="ko-KR" altLang="en-US"/>
           </a:p>
         </p:txBody>
       </p:sp>
@@ -1402,7 +1394,7 @@
           <a:p>
             <a:pPr lvl="0"/>
             <a:r>
-              <a:rPr lang="ko-KR" altLang="en-US" smtClean="0"/>
+              <a:rPr lang="ko-KR" altLang="en-US"/>
               <a:t>마스터 텍스트 스타일 편집</a:t>
             </a:r>
           </a:p>
@@ -1430,38 +1422,37 @@
           <a:p>
             <a:pPr lvl="0"/>
             <a:r>
-              <a:rPr lang="ko-KR" altLang="en-US" smtClean="0"/>
+              <a:rPr lang="ko-KR" altLang="en-US"/>
               <a:t>마스터 텍스트 스타일 편집</a:t>
             </a:r>
           </a:p>
           <a:p>
             <a:pPr lvl="1"/>
             <a:r>
-              <a:rPr lang="ko-KR" altLang="en-US" smtClean="0"/>
+              <a:rPr lang="ko-KR" altLang="en-US"/>
               <a:t>둘째 수준</a:t>
             </a:r>
           </a:p>
           <a:p>
             <a:pPr lvl="2"/>
             <a:r>
-              <a:rPr lang="ko-KR" altLang="en-US" smtClean="0"/>
+              <a:rPr lang="ko-KR" altLang="en-US"/>
               <a:t>셋째 수준</a:t>
             </a:r>
           </a:p>
           <a:p>
             <a:pPr lvl="3"/>
             <a:r>
-              <a:rPr lang="ko-KR" altLang="en-US" smtClean="0"/>
+              <a:rPr lang="ko-KR" altLang="en-US"/>
               <a:t>넷째 수준</a:t>
             </a:r>
           </a:p>
           <a:p>
             <a:pPr lvl="4"/>
             <a:r>
-              <a:rPr lang="ko-KR" altLang="en-US" smtClean="0"/>
+              <a:rPr lang="ko-KR" altLang="en-US"/>
               <a:t>다섯째 수준</a:t>
             </a:r>
-            <a:endParaRPr lang="ko-KR" altLang="en-US"/>
           </a:p>
         </p:txBody>
       </p:sp>
@@ -1524,7 +1515,7 @@
           <a:p>
             <a:pPr lvl="0"/>
             <a:r>
-              <a:rPr lang="ko-KR" altLang="en-US" smtClean="0"/>
+              <a:rPr lang="ko-KR" altLang="en-US"/>
               <a:t>마스터 텍스트 스타일 편집</a:t>
             </a:r>
           </a:p>
@@ -1552,38 +1543,37 @@
           <a:p>
             <a:pPr lvl="0"/>
             <a:r>
-              <a:rPr lang="ko-KR" altLang="en-US" smtClean="0"/>
+              <a:rPr lang="ko-KR" altLang="en-US"/>
               <a:t>마스터 텍스트 스타일 편집</a:t>
             </a:r>
           </a:p>
           <a:p>
             <a:pPr lvl="1"/>
             <a:r>
-              <a:rPr lang="ko-KR" altLang="en-US" smtClean="0"/>
+              <a:rPr lang="ko-KR" altLang="en-US"/>
               <a:t>둘째 수준</a:t>
             </a:r>
           </a:p>
           <a:p>
             <a:pPr lvl="2"/>
             <a:r>
-              <a:rPr lang="ko-KR" altLang="en-US" smtClean="0"/>
+              <a:rPr lang="ko-KR" altLang="en-US"/>
               <a:t>셋째 수준</a:t>
             </a:r>
           </a:p>
           <a:p>
             <a:pPr lvl="3"/>
             <a:r>
-              <a:rPr lang="ko-KR" altLang="en-US" smtClean="0"/>
+              <a:rPr lang="ko-KR" altLang="en-US"/>
               <a:t>넷째 수준</a:t>
             </a:r>
           </a:p>
           <a:p>
             <a:pPr lvl="4"/>
             <a:r>
-              <a:rPr lang="ko-KR" altLang="en-US" smtClean="0"/>
+              <a:rPr lang="ko-KR" altLang="en-US"/>
               <a:t>다섯째 수준</a:t>
             </a:r>
-            <a:endParaRPr lang="ko-KR" altLang="en-US"/>
           </a:p>
         </p:txBody>
       </p:sp>
@@ -1604,7 +1594,7 @@
           <a:p>
             <a:fld id="{9102E0F3-1E43-4FFD-B56B-5FA86132FE65}" type="datetimeFigureOut">
               <a:rPr lang="ko-KR" altLang="en-US" smtClean="0"/>
-              <a:t>2020-06-27</a:t>
+              <a:t>2020-08-01</a:t>
             </a:fld>
             <a:endParaRPr lang="ko-KR" altLang="en-US"/>
           </a:p>
@@ -1698,10 +1688,9 @@
           <a:lstStyle/>
           <a:p>
             <a:r>
-              <a:rPr lang="ko-KR" altLang="en-US" smtClean="0"/>
+              <a:rPr lang="ko-KR" altLang="en-US"/>
               <a:t>마스터 제목 스타일 편집</a:t>
             </a:r>
-            <a:endParaRPr lang="ko-KR" altLang="en-US"/>
           </a:p>
         </p:txBody>
       </p:sp>
@@ -1722,7 +1711,7 @@
           <a:p>
             <a:fld id="{9102E0F3-1E43-4FFD-B56B-5FA86132FE65}" type="datetimeFigureOut">
               <a:rPr lang="ko-KR" altLang="en-US" smtClean="0"/>
-              <a:t>2020-06-27</a:t>
+              <a:t>2020-08-01</a:t>
             </a:fld>
             <a:endParaRPr lang="ko-KR" altLang="en-US"/>
           </a:p>
@@ -1817,7 +1806,7 @@
           <a:p>
             <a:fld id="{9102E0F3-1E43-4FFD-B56B-5FA86132FE65}" type="datetimeFigureOut">
               <a:rPr lang="ko-KR" altLang="en-US" smtClean="0"/>
-              <a:t>2020-06-27</a:t>
+              <a:t>2020-08-01</a:t>
             </a:fld>
             <a:endParaRPr lang="ko-KR" altLang="en-US"/>
           </a:p>
@@ -1920,10 +1909,9 @@
           </a:lstStyle>
           <a:p>
             <a:r>
-              <a:rPr lang="ko-KR" altLang="en-US" smtClean="0"/>
+              <a:rPr lang="ko-KR" altLang="en-US"/>
               <a:t>마스터 제목 스타일 편집</a:t>
             </a:r>
-            <a:endParaRPr lang="ko-KR" altLang="en-US"/>
           </a:p>
         </p:txBody>
       </p:sp>
@@ -1977,38 +1965,37 @@
           <a:p>
             <a:pPr lvl="0"/>
             <a:r>
-              <a:rPr lang="ko-KR" altLang="en-US" smtClean="0"/>
+              <a:rPr lang="ko-KR" altLang="en-US"/>
               <a:t>마스터 텍스트 스타일 편집</a:t>
             </a:r>
           </a:p>
           <a:p>
             <a:pPr lvl="1"/>
             <a:r>
-              <a:rPr lang="ko-KR" altLang="en-US" smtClean="0"/>
+              <a:rPr lang="ko-KR" altLang="en-US"/>
               <a:t>둘째 수준</a:t>
             </a:r>
           </a:p>
           <a:p>
             <a:pPr lvl="2"/>
             <a:r>
-              <a:rPr lang="ko-KR" altLang="en-US" smtClean="0"/>
+              <a:rPr lang="ko-KR" altLang="en-US"/>
               <a:t>셋째 수준</a:t>
             </a:r>
           </a:p>
           <a:p>
             <a:pPr lvl="3"/>
             <a:r>
-              <a:rPr lang="ko-KR" altLang="en-US" smtClean="0"/>
+              <a:rPr lang="ko-KR" altLang="en-US"/>
               <a:t>넷째 수준</a:t>
             </a:r>
           </a:p>
           <a:p>
             <a:pPr lvl="4"/>
             <a:r>
-              <a:rPr lang="ko-KR" altLang="en-US" smtClean="0"/>
+              <a:rPr lang="ko-KR" altLang="en-US"/>
               <a:t>다섯째 수준</a:t>
             </a:r>
-            <a:endParaRPr lang="ko-KR" altLang="en-US"/>
           </a:p>
         </p:txBody>
       </p:sp>
@@ -2071,7 +2058,7 @@
           <a:p>
             <a:pPr lvl="0"/>
             <a:r>
-              <a:rPr lang="ko-KR" altLang="en-US" smtClean="0"/>
+              <a:rPr lang="ko-KR" altLang="en-US"/>
               <a:t>마스터 텍스트 스타일 편집</a:t>
             </a:r>
           </a:p>
@@ -2094,7 +2081,7 @@
           <a:p>
             <a:fld id="{9102E0F3-1E43-4FFD-B56B-5FA86132FE65}" type="datetimeFigureOut">
               <a:rPr lang="ko-KR" altLang="en-US" smtClean="0"/>
-              <a:t>2020-06-27</a:t>
+              <a:t>2020-08-01</a:t>
             </a:fld>
             <a:endParaRPr lang="ko-KR" altLang="en-US"/>
           </a:p>
@@ -2197,10 +2184,9 @@
           </a:lstStyle>
           <a:p>
             <a:r>
-              <a:rPr lang="ko-KR" altLang="en-US" smtClean="0"/>
+              <a:rPr lang="ko-KR" altLang="en-US"/>
               <a:t>마스터 제목 스타일 편집</a:t>
             </a:r>
-            <a:endParaRPr lang="ko-KR" altLang="en-US"/>
           </a:p>
         </p:txBody>
       </p:sp>
@@ -2324,7 +2310,7 @@
           <a:p>
             <a:pPr lvl="0"/>
             <a:r>
-              <a:rPr lang="ko-KR" altLang="en-US" smtClean="0"/>
+              <a:rPr lang="ko-KR" altLang="en-US"/>
               <a:t>마스터 텍스트 스타일 편집</a:t>
             </a:r>
           </a:p>
@@ -2347,7 +2333,7 @@
           <a:p>
             <a:fld id="{9102E0F3-1E43-4FFD-B56B-5FA86132FE65}" type="datetimeFigureOut">
               <a:rPr lang="ko-KR" altLang="en-US" smtClean="0"/>
-              <a:t>2020-06-27</a:t>
+              <a:t>2020-08-01</a:t>
             </a:fld>
             <a:endParaRPr lang="ko-KR" altLang="en-US"/>
           </a:p>
@@ -2456,10 +2442,9 @@
           <a:lstStyle/>
           <a:p>
             <a:r>
-              <a:rPr lang="ko-KR" altLang="en-US" smtClean="0"/>
+              <a:rPr lang="ko-KR" altLang="en-US"/>
               <a:t>마스터 제목 스타일 편집</a:t>
             </a:r>
-            <a:endParaRPr lang="ko-KR" altLang="en-US"/>
           </a:p>
         </p:txBody>
       </p:sp>
@@ -2490,38 +2475,37 @@
           <a:p>
             <a:pPr lvl="0"/>
             <a:r>
-              <a:rPr lang="ko-KR" altLang="en-US" smtClean="0"/>
+              <a:rPr lang="ko-KR" altLang="en-US"/>
               <a:t>마스터 텍스트 스타일 편집</a:t>
             </a:r>
           </a:p>
           <a:p>
             <a:pPr lvl="1"/>
             <a:r>
-              <a:rPr lang="ko-KR" altLang="en-US" smtClean="0"/>
+              <a:rPr lang="ko-KR" altLang="en-US"/>
               <a:t>둘째 수준</a:t>
             </a:r>
           </a:p>
           <a:p>
             <a:pPr lvl="2"/>
             <a:r>
-              <a:rPr lang="ko-KR" altLang="en-US" smtClean="0"/>
+              <a:rPr lang="ko-KR" altLang="en-US"/>
               <a:t>셋째 수준</a:t>
             </a:r>
           </a:p>
           <a:p>
             <a:pPr lvl="3"/>
             <a:r>
-              <a:rPr lang="ko-KR" altLang="en-US" smtClean="0"/>
+              <a:rPr lang="ko-KR" altLang="en-US"/>
               <a:t>넷째 수준</a:t>
             </a:r>
           </a:p>
           <a:p>
             <a:pPr lvl="4"/>
             <a:r>
-              <a:rPr lang="ko-KR" altLang="en-US" smtClean="0"/>
+              <a:rPr lang="ko-KR" altLang="en-US"/>
               <a:t>다섯째 수준</a:t>
             </a:r>
-            <a:endParaRPr lang="ko-KR" altLang="en-US"/>
           </a:p>
         </p:txBody>
       </p:sp>
@@ -2560,7 +2544,7 @@
           <a:p>
             <a:fld id="{9102E0F3-1E43-4FFD-B56B-5FA86132FE65}" type="datetimeFigureOut">
               <a:rPr lang="ko-KR" altLang="en-US" smtClean="0"/>
-              <a:t>2020-06-27</a:t>
+              <a:t>2020-08-01</a:t>
             </a:fld>
             <a:endParaRPr lang="ko-KR" altLang="en-US"/>
           </a:p>
@@ -3159,7 +3143,7 @@
           <a:p>
             <a:pPr algn="ctr"/>
             <a:r>
-              <a:rPr lang="ko-KR" altLang="en-US" dirty="0" smtClean="0">
+              <a:rPr lang="ko-KR" altLang="en-US" dirty="0">
                 <a:solidFill>
                   <a:schemeClr val="tx1"/>
                 </a:solidFill>
@@ -3169,14 +3153,6 @@
               </a:rPr>
               <a:t>게임시작</a:t>
             </a:r>
-            <a:endParaRPr lang="ko-KR" altLang="en-US" dirty="0">
-              <a:solidFill>
-                <a:schemeClr val="tx1"/>
-              </a:solidFill>
-              <a:latin typeface="KoPubWorld돋움체 Light" panose="00000300000000000000" pitchFamily="2" charset="-127"/>
-              <a:ea typeface="KoPubWorld돋움체 Light" panose="00000300000000000000" pitchFamily="2" charset="-127"/>
-              <a:cs typeface="KoPubWorld돋움체 Light" panose="00000300000000000000" pitchFamily="2" charset="-127"/>
-            </a:endParaRPr>
           </a:p>
         </p:txBody>
       </p:sp>
@@ -3226,7 +3202,7 @@
           <a:p>
             <a:pPr algn="ctr"/>
             <a:r>
-              <a:rPr lang="ko-KR" altLang="en-US" dirty="0" err="1" smtClean="0">
+              <a:rPr lang="ko-KR" altLang="en-US" dirty="0" err="1">
                 <a:solidFill>
                   <a:schemeClr val="tx1"/>
                 </a:solidFill>
@@ -3293,7 +3269,7 @@
           <a:p>
             <a:pPr algn="ctr"/>
             <a:r>
-              <a:rPr lang="ko-KR" altLang="en-US" dirty="0" smtClean="0">
+              <a:rPr lang="ko-KR" altLang="en-US" dirty="0">
                 <a:solidFill>
                   <a:schemeClr val="tx1"/>
                 </a:solidFill>
@@ -3303,14 +3279,6 @@
               </a:rPr>
               <a:t>이어하기</a:t>
             </a:r>
-            <a:endParaRPr lang="ko-KR" altLang="en-US" dirty="0">
-              <a:solidFill>
-                <a:schemeClr val="tx1"/>
-              </a:solidFill>
-              <a:latin typeface="KoPubWorld돋움체 Light" panose="00000300000000000000" pitchFamily="2" charset="-127"/>
-              <a:ea typeface="KoPubWorld돋움체 Light" panose="00000300000000000000" pitchFamily="2" charset="-127"/>
-              <a:cs typeface="KoPubWorld돋움체 Light" panose="00000300000000000000" pitchFamily="2" charset="-127"/>
-            </a:endParaRPr>
           </a:p>
         </p:txBody>
       </p:sp>
@@ -3360,7 +3328,7 @@
           <a:p>
             <a:pPr algn="ctr"/>
             <a:r>
-              <a:rPr lang="ko-KR" altLang="en-US" dirty="0" smtClean="0">
+              <a:rPr lang="ko-KR" altLang="en-US" dirty="0">
                 <a:solidFill>
                   <a:schemeClr val="tx1"/>
                 </a:solidFill>
@@ -3371,7 +3339,7 @@
               <a:t>스토리 영상 </a:t>
             </a:r>
             <a:r>
-              <a:rPr lang="en-US" altLang="ko-KR" dirty="0" smtClean="0">
+              <a:rPr lang="en-US" altLang="ko-KR" dirty="0">
                 <a:solidFill>
                   <a:schemeClr val="tx1"/>
                 </a:solidFill>
@@ -3382,7 +3350,7 @@
               <a:t>&amp; </a:t>
             </a:r>
             <a:r>
-              <a:rPr lang="ko-KR" altLang="en-US" dirty="0" err="1" smtClean="0">
+              <a:rPr lang="ko-KR" altLang="en-US" dirty="0" err="1">
                 <a:solidFill>
                   <a:schemeClr val="tx1"/>
                 </a:solidFill>
@@ -3393,7 +3361,7 @@
               <a:t>튜토리얼</a:t>
             </a:r>
             <a:r>
-              <a:rPr lang="ko-KR" altLang="en-US" dirty="0" smtClean="0">
+              <a:rPr lang="ko-KR" altLang="en-US" dirty="0">
                 <a:solidFill>
                   <a:schemeClr val="tx1"/>
                 </a:solidFill>
@@ -3403,14 +3371,6 @@
               </a:rPr>
               <a:t> 진행</a:t>
             </a:r>
-            <a:endParaRPr lang="ko-KR" altLang="en-US" dirty="0">
-              <a:solidFill>
-                <a:schemeClr val="tx1"/>
-              </a:solidFill>
-              <a:latin typeface="KoPubWorld돋움체 Light" panose="00000300000000000000" pitchFamily="2" charset="-127"/>
-              <a:ea typeface="KoPubWorld돋움체 Light" panose="00000300000000000000" pitchFamily="2" charset="-127"/>
-              <a:cs typeface="KoPubWorld돋움체 Light" panose="00000300000000000000" pitchFamily="2" charset="-127"/>
-            </a:endParaRPr>
           </a:p>
         </p:txBody>
       </p:sp>
@@ -3460,7 +3420,7 @@
           <a:p>
             <a:pPr algn="ctr"/>
             <a:r>
-              <a:rPr lang="ko-KR" altLang="en-US" dirty="0" smtClean="0">
+              <a:rPr lang="ko-KR" altLang="en-US" dirty="0">
                 <a:solidFill>
                   <a:schemeClr val="tx1"/>
                 </a:solidFill>
@@ -3470,14 +3430,6 @@
               </a:rPr>
               <a:t>섬 개발</a:t>
             </a:r>
-            <a:endParaRPr lang="ko-KR" altLang="en-US" dirty="0">
-              <a:solidFill>
-                <a:schemeClr val="tx1"/>
-              </a:solidFill>
-              <a:latin typeface="KoPubWorld돋움체 Light" panose="00000300000000000000" pitchFamily="2" charset="-127"/>
-              <a:ea typeface="KoPubWorld돋움체 Light" panose="00000300000000000000" pitchFamily="2" charset="-127"/>
-              <a:cs typeface="KoPubWorld돋움체 Light" panose="00000300000000000000" pitchFamily="2" charset="-127"/>
-            </a:endParaRPr>
           </a:p>
         </p:txBody>
       </p:sp>
@@ -3527,7 +3479,7 @@
           <a:p>
             <a:pPr algn="ctr"/>
             <a:r>
-              <a:rPr lang="ko-KR" altLang="en-US" dirty="0" smtClean="0">
+              <a:rPr lang="ko-KR" altLang="en-US" dirty="0">
                 <a:solidFill>
                   <a:schemeClr val="tx1"/>
                 </a:solidFill>
@@ -3537,14 +3489,6 @@
               </a:rPr>
               <a:t>목표 날짜</a:t>
             </a:r>
-            <a:endParaRPr lang="ko-KR" altLang="en-US" dirty="0">
-              <a:solidFill>
-                <a:schemeClr val="tx1"/>
-              </a:solidFill>
-              <a:latin typeface="KoPubWorld돋움체 Light" panose="00000300000000000000" pitchFamily="2" charset="-127"/>
-              <a:ea typeface="KoPubWorld돋움체 Light" panose="00000300000000000000" pitchFamily="2" charset="-127"/>
-              <a:cs typeface="KoPubWorld돋움체 Light" panose="00000300000000000000" pitchFamily="2" charset="-127"/>
-            </a:endParaRPr>
           </a:p>
         </p:txBody>
       </p:sp>
@@ -3594,7 +3538,7 @@
           <a:p>
             <a:pPr algn="ctr"/>
             <a:r>
-              <a:rPr lang="ko-KR" altLang="en-US" dirty="0" smtClean="0">
+              <a:rPr lang="ko-KR" altLang="en-US" dirty="0">
                 <a:solidFill>
                   <a:schemeClr val="tx1"/>
                 </a:solidFill>
@@ -3604,14 +3548,6 @@
               </a:rPr>
               <a:t>성공</a:t>
             </a:r>
-            <a:endParaRPr lang="ko-KR" altLang="en-US" dirty="0">
-              <a:solidFill>
-                <a:schemeClr val="tx1"/>
-              </a:solidFill>
-              <a:latin typeface="KoPubWorld돋움체 Light" panose="00000300000000000000" pitchFamily="2" charset="-127"/>
-              <a:ea typeface="KoPubWorld돋움체 Light" panose="00000300000000000000" pitchFamily="2" charset="-127"/>
-              <a:cs typeface="KoPubWorld돋움체 Light" panose="00000300000000000000" pitchFamily="2" charset="-127"/>
-            </a:endParaRPr>
           </a:p>
         </p:txBody>
       </p:sp>
@@ -3661,7 +3597,7 @@
           <a:p>
             <a:pPr algn="ctr"/>
             <a:r>
-              <a:rPr lang="ko-KR" altLang="en-US" dirty="0" smtClean="0">
+              <a:rPr lang="ko-KR" altLang="en-US" dirty="0">
                 <a:solidFill>
                   <a:schemeClr val="tx1"/>
                 </a:solidFill>
@@ -3671,14 +3607,6 @@
               </a:rPr>
               <a:t>실패 </a:t>
             </a:r>
-            <a:endParaRPr lang="ko-KR" altLang="en-US" dirty="0">
-              <a:solidFill>
-                <a:schemeClr val="tx1"/>
-              </a:solidFill>
-              <a:latin typeface="KoPubWorld돋움체 Light" panose="00000300000000000000" pitchFamily="2" charset="-127"/>
-              <a:ea typeface="KoPubWorld돋움체 Light" panose="00000300000000000000" pitchFamily="2" charset="-127"/>
-              <a:cs typeface="KoPubWorld돋움체 Light" panose="00000300000000000000" pitchFamily="2" charset="-127"/>
-            </a:endParaRPr>
           </a:p>
         </p:txBody>
       </p:sp>
@@ -3728,7 +3656,7 @@
           <a:p>
             <a:pPr algn="ctr"/>
             <a:r>
-              <a:rPr lang="ko-KR" altLang="en-US" dirty="0" smtClean="0">
+              <a:rPr lang="ko-KR" altLang="en-US" dirty="0">
                 <a:solidFill>
                   <a:schemeClr val="tx1"/>
                 </a:solidFill>
@@ -3738,14 +3666,6 @@
               </a:rPr>
               <a:t>에필로그 </a:t>
             </a:r>
-            <a:endParaRPr lang="ko-KR" altLang="en-US" dirty="0">
-              <a:solidFill>
-                <a:schemeClr val="tx1"/>
-              </a:solidFill>
-              <a:latin typeface="KoPubWorld돋움체 Light" panose="00000300000000000000" pitchFamily="2" charset="-127"/>
-              <a:ea typeface="KoPubWorld돋움체 Light" panose="00000300000000000000" pitchFamily="2" charset="-127"/>
-              <a:cs typeface="KoPubWorld돋움체 Light" panose="00000300000000000000" pitchFamily="2" charset="-127"/>
-            </a:endParaRPr>
           </a:p>
         </p:txBody>
       </p:sp>
@@ -3795,7 +3715,7 @@
           <a:p>
             <a:pPr algn="ctr"/>
             <a:r>
-              <a:rPr lang="ko-KR" altLang="en-US" dirty="0" smtClean="0">
+              <a:rPr lang="ko-KR" altLang="en-US" dirty="0">
                 <a:solidFill>
                   <a:schemeClr val="tx1"/>
                 </a:solidFill>
@@ -3805,14 +3725,6 @@
               </a:rPr>
               <a:t>에필로그 </a:t>
             </a:r>
-            <a:endParaRPr lang="ko-KR" altLang="en-US" dirty="0">
-              <a:solidFill>
-                <a:schemeClr val="tx1"/>
-              </a:solidFill>
-              <a:latin typeface="KoPubWorld돋움체 Light" panose="00000300000000000000" pitchFamily="2" charset="-127"/>
-              <a:ea typeface="KoPubWorld돋움체 Light" panose="00000300000000000000" pitchFamily="2" charset="-127"/>
-              <a:cs typeface="KoPubWorld돋움체 Light" panose="00000300000000000000" pitchFamily="2" charset="-127"/>
-            </a:endParaRPr>
           </a:p>
         </p:txBody>
       </p:sp>
@@ -3820,6 +3732,7 @@
         <p:nvCxnSpPr>
           <p:cNvPr id="19" name="직선 연결선 18"/>
           <p:cNvCxnSpPr>
+            <a:cxnSpLocks/>
             <a:stCxn id="4" idx="3"/>
           </p:cNvCxnSpPr>
           <p:nvPr/>
@@ -3901,7 +3814,7 @@
           <a:p>
             <a:pPr algn="ctr"/>
             <a:r>
-              <a:rPr lang="ko-KR" altLang="en-US" dirty="0" err="1" smtClean="0">
+              <a:rPr lang="ko-KR" altLang="en-US" dirty="0" err="1">
                 <a:solidFill>
                   <a:schemeClr val="tx1"/>
                 </a:solidFill>
@@ -3968,7 +3881,7 @@
           <a:p>
             <a:pPr algn="ctr"/>
             <a:r>
-              <a:rPr lang="ko-KR" altLang="en-US" dirty="0" err="1" smtClean="0">
+              <a:rPr lang="ko-KR" altLang="en-US" dirty="0" err="1">
                 <a:solidFill>
                   <a:schemeClr val="tx1"/>
                 </a:solidFill>
@@ -3993,6 +3906,7 @@
         <p:nvCxnSpPr>
           <p:cNvPr id="22" name="직선 연결선 21"/>
           <p:cNvCxnSpPr>
+            <a:cxnSpLocks/>
             <a:stCxn id="5" idx="2"/>
             <a:endCxn id="6" idx="0"/>
           </p:cNvCxnSpPr>
@@ -4033,6 +3947,7 @@
         <p:nvCxnSpPr>
           <p:cNvPr id="25" name="직선 연결선 24"/>
           <p:cNvCxnSpPr>
+            <a:cxnSpLocks/>
             <a:stCxn id="6" idx="3"/>
             <a:endCxn id="9" idx="1"/>
           </p:cNvCxnSpPr>
@@ -4073,6 +3988,7 @@
         <p:nvCxnSpPr>
           <p:cNvPr id="28" name="직선 연결선 27"/>
           <p:cNvCxnSpPr>
+            <a:cxnSpLocks/>
             <a:stCxn id="8" idx="2"/>
             <a:endCxn id="9" idx="0"/>
           </p:cNvCxnSpPr>
@@ -4113,6 +4029,7 @@
         <p:nvCxnSpPr>
           <p:cNvPr id="31" name="직선 연결선 30"/>
           <p:cNvCxnSpPr>
+            <a:cxnSpLocks/>
             <a:stCxn id="9" idx="2"/>
             <a:endCxn id="10" idx="0"/>
           </p:cNvCxnSpPr>
@@ -4227,6 +4144,7 @@
         <p:nvCxnSpPr>
           <p:cNvPr id="48" name="직선 연결선 47"/>
           <p:cNvCxnSpPr>
+            <a:cxnSpLocks/>
             <a:stCxn id="11" idx="2"/>
             <a:endCxn id="15" idx="0"/>
           </p:cNvCxnSpPr>
@@ -4267,6 +4185,7 @@
         <p:nvCxnSpPr>
           <p:cNvPr id="51" name="직선 연결선 50"/>
           <p:cNvCxnSpPr>
+            <a:cxnSpLocks/>
             <a:stCxn id="12" idx="2"/>
             <a:endCxn id="14" idx="0"/>
           </p:cNvCxnSpPr>
@@ -4381,6 +4300,7 @@
         <p:nvCxnSpPr>
           <p:cNvPr id="68" name="직선 연결선 67"/>
           <p:cNvCxnSpPr>
+            <a:cxnSpLocks/>
             <a:endCxn id="16" idx="0"/>
           </p:cNvCxnSpPr>
           <p:nvPr/>
@@ -4490,6 +4410,65 @@
           </a:fontRef>
         </p:style>
       </p:cxnSp>
+      <p:sp>
+        <p:nvSpPr>
+          <p:cNvPr id="32" name="직사각형 31">
+            <a:extLst>
+              <a:ext uri="{FF2B5EF4-FFF2-40B4-BE49-F238E27FC236}">
+                <a16:creationId xmlns:a16="http://schemas.microsoft.com/office/drawing/2014/main" id="{88507492-4286-4703-B3D9-4A44270FBC0E}"/>
+              </a:ext>
+            </a:extLst>
+          </p:cNvPr>
+          <p:cNvSpPr/>
+          <p:nvPr/>
+        </p:nvSpPr>
+        <p:spPr>
+          <a:xfrm>
+            <a:off x="4996729" y="6259968"/>
+            <a:ext cx="6367804" cy="430887"/>
+          </a:xfrm>
+          <a:prstGeom prst="rect">
+            <a:avLst/>
+          </a:prstGeom>
+          <a:noFill/>
+        </p:spPr>
+        <p:txBody>
+          <a:bodyPr wrap="square">
+            <a:spAutoFit/>
+          </a:bodyPr>
+          <a:lstStyle/>
+          <a:p>
+            <a:pPr marR="0" lvl="0" algn="r" defTabSz="914400" rtl="0" eaLnBrk="1" fontAlgn="auto" latinLnBrk="0" hangingPunct="1">
+              <a:lnSpc>
+                <a:spcPct val="150000"/>
+              </a:lnSpc>
+              <a:spcBef>
+                <a:spcPts val="0"/>
+              </a:spcBef>
+              <a:spcAft>
+                <a:spcPts val="0"/>
+              </a:spcAft>
+              <a:buClrTx/>
+              <a:buSzTx/>
+              <a:tabLst/>
+              <a:defRPr/>
+            </a:pPr>
+            <a:r>
+              <a:rPr lang="ko-KR" altLang="en-US" sz="1600" kern="0" dirty="0">
+                <a:latin typeface="KoPubWorld돋움체 Light" panose="00000300000000000000" pitchFamily="2" charset="-127"/>
+                <a:ea typeface="KoPubWorld돋움체 Light" panose="00000300000000000000" pitchFamily="2" charset="-127"/>
+                <a:cs typeface="KoPubWorld돋움체 Light" panose="00000300000000000000" pitchFamily="2" charset="-127"/>
+              </a:rPr>
+              <a:t>게임 진행</a:t>
+            </a:r>
+            <a:endParaRPr lang="en-US" altLang="ko-KR" sz="1600" kern="0" dirty="0">
+              <a:latin typeface="KoPubWorld돋움체 Light" panose="00000300000000000000" pitchFamily="2" charset="-127"/>
+              <a:ea typeface="KoPubWorld돋움체 Light" panose="00000300000000000000" pitchFamily="2" charset="-127"/>
+              <a:cs typeface="KoPubWorld돋움체 Light" panose="00000300000000000000" pitchFamily="2" charset="-127"/>
+            </a:endParaRPr>
+          </a:p>
+        </p:txBody>
+      </p:sp>
     </p:spTree>
     <p:extLst>
       <p:ext uri="{BB962C8B-B14F-4D97-AF65-F5344CB8AC3E}">
@@ -4605,7 +4584,7 @@
           <a:p>
             <a:pPr algn="ctr"/>
             <a:r>
-              <a:rPr lang="ko-KR" altLang="en-US" dirty="0" smtClean="0">
+              <a:rPr lang="ko-KR" altLang="en-US" dirty="0">
                 <a:solidFill>
                   <a:schemeClr val="tx1"/>
                 </a:solidFill>
@@ -4615,14 +4594,6 @@
               </a:rPr>
               <a:t>섬 개발</a:t>
             </a:r>
-            <a:endParaRPr lang="ko-KR" altLang="en-US" dirty="0">
-              <a:solidFill>
-                <a:schemeClr val="tx1"/>
-              </a:solidFill>
-              <a:latin typeface="KoPubWorld돋움체 Light" panose="00000300000000000000" pitchFamily="2" charset="-127"/>
-              <a:ea typeface="KoPubWorld돋움체 Light" panose="00000300000000000000" pitchFamily="2" charset="-127"/>
-              <a:cs typeface="KoPubWorld돋움체 Light" panose="00000300000000000000" pitchFamily="2" charset="-127"/>
-            </a:endParaRPr>
           </a:p>
         </p:txBody>
       </p:sp>
@@ -4672,7 +4643,7 @@
           <a:p>
             <a:pPr algn="ctr"/>
             <a:r>
-              <a:rPr lang="ko-KR" altLang="en-US" dirty="0" smtClean="0">
+              <a:rPr lang="ko-KR" altLang="en-US" dirty="0">
                 <a:solidFill>
                   <a:schemeClr val="tx1"/>
                 </a:solidFill>
@@ -4682,14 +4653,6 @@
               </a:rPr>
               <a:t>랜덤 이벤트</a:t>
             </a:r>
-            <a:endParaRPr lang="ko-KR" altLang="en-US" dirty="0">
-              <a:solidFill>
-                <a:schemeClr val="tx1"/>
-              </a:solidFill>
-              <a:latin typeface="KoPubWorld돋움체 Light" panose="00000300000000000000" pitchFamily="2" charset="-127"/>
-              <a:ea typeface="KoPubWorld돋움체 Light" panose="00000300000000000000" pitchFamily="2" charset="-127"/>
-              <a:cs typeface="KoPubWorld돋움체 Light" panose="00000300000000000000" pitchFamily="2" charset="-127"/>
-            </a:endParaRPr>
           </a:p>
         </p:txBody>
       </p:sp>
@@ -4776,7 +4739,7 @@
           <a:p>
             <a:pPr algn="ctr"/>
             <a:r>
-              <a:rPr lang="ko-KR" altLang="en-US" dirty="0" smtClean="0">
+              <a:rPr lang="ko-KR" altLang="en-US" dirty="0">
                 <a:solidFill>
                   <a:schemeClr val="tx1"/>
                 </a:solidFill>
@@ -4786,14 +4749,6 @@
               </a:rPr>
               <a:t>섬 탐험 및 개발</a:t>
             </a:r>
-            <a:endParaRPr lang="ko-KR" altLang="en-US" dirty="0">
-              <a:solidFill>
-                <a:schemeClr val="tx1"/>
-              </a:solidFill>
-              <a:latin typeface="KoPubWorld돋움체 Light" panose="00000300000000000000" pitchFamily="2" charset="-127"/>
-              <a:ea typeface="KoPubWorld돋움체 Light" panose="00000300000000000000" pitchFamily="2" charset="-127"/>
-              <a:cs typeface="KoPubWorld돋움체 Light" panose="00000300000000000000" pitchFamily="2" charset="-127"/>
-            </a:endParaRPr>
           </a:p>
         </p:txBody>
       </p:sp>
@@ -4880,7 +4835,7 @@
           <a:p>
             <a:pPr algn="ctr"/>
             <a:r>
-              <a:rPr lang="ko-KR" altLang="en-US" dirty="0" smtClean="0">
+              <a:rPr lang="ko-KR" altLang="en-US" dirty="0">
                 <a:solidFill>
                   <a:schemeClr val="tx1"/>
                 </a:solidFill>
@@ -4890,14 +4845,6 @@
               </a:rPr>
               <a:t>무역상과의 대화</a:t>
             </a:r>
-            <a:endParaRPr lang="ko-KR" altLang="en-US" dirty="0">
-              <a:solidFill>
-                <a:schemeClr val="tx1"/>
-              </a:solidFill>
-              <a:latin typeface="KoPubWorld돋움체 Light" panose="00000300000000000000" pitchFamily="2" charset="-127"/>
-              <a:ea typeface="KoPubWorld돋움체 Light" panose="00000300000000000000" pitchFamily="2" charset="-127"/>
-              <a:cs typeface="KoPubWorld돋움체 Light" panose="00000300000000000000" pitchFamily="2" charset="-127"/>
-            </a:endParaRPr>
           </a:p>
         </p:txBody>
       </p:sp>
@@ -5024,7 +4971,7 @@
           <a:p>
             <a:pPr algn="ctr"/>
             <a:r>
-              <a:rPr lang="ko-KR" altLang="en-US" dirty="0" smtClean="0">
+              <a:rPr lang="ko-KR" altLang="en-US" dirty="0">
                 <a:solidFill>
                   <a:schemeClr val="tx1"/>
                 </a:solidFill>
@@ -5034,14 +4981,6 @@
               </a:rPr>
               <a:t>물물교환</a:t>
             </a:r>
-            <a:endParaRPr lang="ko-KR" altLang="en-US" dirty="0">
-              <a:solidFill>
-                <a:schemeClr val="tx1"/>
-              </a:solidFill>
-              <a:latin typeface="KoPubWorld돋움체 Light" panose="00000300000000000000" pitchFamily="2" charset="-127"/>
-              <a:ea typeface="KoPubWorld돋움체 Light" panose="00000300000000000000" pitchFamily="2" charset="-127"/>
-              <a:cs typeface="KoPubWorld돋움체 Light" panose="00000300000000000000" pitchFamily="2" charset="-127"/>
-            </a:endParaRPr>
           </a:p>
         </p:txBody>
       </p:sp>
@@ -5130,7 +5069,7 @@
           <a:p>
             <a:pPr algn="ctr"/>
             <a:r>
-              <a:rPr lang="ko-KR" altLang="en-US" dirty="0" smtClean="0">
+              <a:rPr lang="ko-KR" altLang="en-US" dirty="0">
                 <a:solidFill>
                   <a:schemeClr val="tx1"/>
                 </a:solidFill>
@@ -5140,14 +5079,6 @@
               </a:rPr>
               <a:t>거래</a:t>
             </a:r>
-            <a:endParaRPr lang="ko-KR" altLang="en-US" dirty="0">
-              <a:solidFill>
-                <a:schemeClr val="tx1"/>
-              </a:solidFill>
-              <a:latin typeface="KoPubWorld돋움체 Light" panose="00000300000000000000" pitchFamily="2" charset="-127"/>
-              <a:ea typeface="KoPubWorld돋움체 Light" panose="00000300000000000000" pitchFamily="2" charset="-127"/>
-              <a:cs typeface="KoPubWorld돋움체 Light" panose="00000300000000000000" pitchFamily="2" charset="-127"/>
-            </a:endParaRPr>
           </a:p>
         </p:txBody>
       </p:sp>
@@ -5236,7 +5167,7 @@
           <a:p>
             <a:pPr algn="ctr"/>
             <a:r>
-              <a:rPr lang="ko-KR" altLang="en-US" dirty="0" smtClean="0">
+              <a:rPr lang="ko-KR" altLang="en-US" dirty="0">
                 <a:solidFill>
                   <a:schemeClr val="tx1"/>
                 </a:solidFill>
@@ -5246,14 +5177,6 @@
               </a:rPr>
               <a:t>대화</a:t>
             </a:r>
-            <a:endParaRPr lang="ko-KR" altLang="en-US" dirty="0">
-              <a:solidFill>
-                <a:schemeClr val="tx1"/>
-              </a:solidFill>
-              <a:latin typeface="KoPubWorld돋움체 Light" panose="00000300000000000000" pitchFamily="2" charset="-127"/>
-              <a:ea typeface="KoPubWorld돋움체 Light" panose="00000300000000000000" pitchFamily="2" charset="-127"/>
-              <a:cs typeface="KoPubWorld돋움체 Light" panose="00000300000000000000" pitchFamily="2" charset="-127"/>
-            </a:endParaRPr>
           </a:p>
         </p:txBody>
       </p:sp>
@@ -5342,7 +5265,7 @@
           <a:p>
             <a:pPr algn="ctr"/>
             <a:r>
-              <a:rPr lang="ko-KR" altLang="en-US" dirty="0" smtClean="0">
+              <a:rPr lang="ko-KR" altLang="en-US" dirty="0">
                 <a:solidFill>
                   <a:schemeClr val="tx1"/>
                 </a:solidFill>
@@ -5352,14 +5275,6 @@
               </a:rPr>
               <a:t>퀘스트</a:t>
             </a:r>
-            <a:endParaRPr lang="ko-KR" altLang="en-US" dirty="0">
-              <a:solidFill>
-                <a:schemeClr val="tx1"/>
-              </a:solidFill>
-              <a:latin typeface="KoPubWorld돋움체 Light" panose="00000300000000000000" pitchFamily="2" charset="-127"/>
-              <a:ea typeface="KoPubWorld돋움체 Light" panose="00000300000000000000" pitchFamily="2" charset="-127"/>
-              <a:cs typeface="KoPubWorld돋움체 Light" panose="00000300000000000000" pitchFamily="2" charset="-127"/>
-            </a:endParaRPr>
           </a:p>
         </p:txBody>
       </p:sp>
@@ -5485,7 +5400,7 @@
           <a:p>
             <a:pPr algn="ctr"/>
             <a:r>
-              <a:rPr lang="ko-KR" altLang="en-US" dirty="0" smtClean="0">
+              <a:rPr lang="ko-KR" altLang="en-US" dirty="0">
                 <a:solidFill>
                   <a:schemeClr val="tx1"/>
                 </a:solidFill>
@@ -5495,14 +5410,6 @@
               </a:rPr>
               <a:t>탐험</a:t>
             </a:r>
-            <a:endParaRPr lang="ko-KR" altLang="en-US" dirty="0">
-              <a:solidFill>
-                <a:schemeClr val="tx1"/>
-              </a:solidFill>
-              <a:latin typeface="KoPubWorld돋움체 Light" panose="00000300000000000000" pitchFamily="2" charset="-127"/>
-              <a:ea typeface="KoPubWorld돋움체 Light" panose="00000300000000000000" pitchFamily="2" charset="-127"/>
-              <a:cs typeface="KoPubWorld돋움체 Light" panose="00000300000000000000" pitchFamily="2" charset="-127"/>
-            </a:endParaRPr>
           </a:p>
         </p:txBody>
       </p:sp>
@@ -5591,7 +5498,7 @@
           <a:p>
             <a:pPr algn="ctr"/>
             <a:r>
-              <a:rPr lang="ko-KR" altLang="en-US" dirty="0" smtClean="0">
+              <a:rPr lang="ko-KR" altLang="en-US" dirty="0">
                 <a:solidFill>
                   <a:schemeClr val="tx1"/>
                 </a:solidFill>
@@ -5601,14 +5508,6 @@
               </a:rPr>
               <a:t>개발</a:t>
             </a:r>
-            <a:endParaRPr lang="ko-KR" altLang="en-US" dirty="0">
-              <a:solidFill>
-                <a:schemeClr val="tx1"/>
-              </a:solidFill>
-              <a:latin typeface="KoPubWorld돋움체 Light" panose="00000300000000000000" pitchFamily="2" charset="-127"/>
-              <a:ea typeface="KoPubWorld돋움체 Light" panose="00000300000000000000" pitchFamily="2" charset="-127"/>
-              <a:cs typeface="KoPubWorld돋움체 Light" panose="00000300000000000000" pitchFamily="2" charset="-127"/>
-            </a:endParaRPr>
           </a:p>
         </p:txBody>
       </p:sp>
@@ -5698,7 +5597,7 @@
           <a:p>
             <a:pPr algn="ctr"/>
             <a:r>
-              <a:rPr lang="ko-KR" altLang="en-US" dirty="0" smtClean="0">
+              <a:rPr lang="ko-KR" altLang="en-US" dirty="0">
                 <a:solidFill>
                   <a:schemeClr val="tx1"/>
                 </a:solidFill>
@@ -5708,14 +5607,6 @@
               </a:rPr>
               <a:t>일정일 소요</a:t>
             </a:r>
-            <a:endParaRPr lang="ko-KR" altLang="en-US" dirty="0">
-              <a:solidFill>
-                <a:schemeClr val="tx1"/>
-              </a:solidFill>
-              <a:latin typeface="KoPubWorld돋움체 Light" panose="00000300000000000000" pitchFamily="2" charset="-127"/>
-              <a:ea typeface="KoPubWorld돋움체 Light" panose="00000300000000000000" pitchFamily="2" charset="-127"/>
-              <a:cs typeface="KoPubWorld돋움체 Light" panose="00000300000000000000" pitchFamily="2" charset="-127"/>
-            </a:endParaRPr>
           </a:p>
         </p:txBody>
       </p:sp>
@@ -5841,7 +5732,7 @@
           <a:p>
             <a:pPr algn="ctr"/>
             <a:r>
-              <a:rPr lang="ko-KR" altLang="en-US" dirty="0" smtClean="0">
+              <a:rPr lang="ko-KR" altLang="en-US" dirty="0">
                 <a:solidFill>
                   <a:schemeClr val="tx1"/>
                 </a:solidFill>
@@ -5852,7 +5743,7 @@
               <a:t>도로</a:t>
             </a:r>
             <a:r>
-              <a:rPr lang="en-US" altLang="ko-KR" dirty="0" smtClean="0">
+              <a:rPr lang="en-US" altLang="ko-KR" dirty="0">
                 <a:solidFill>
                   <a:schemeClr val="tx1"/>
                 </a:solidFill>
@@ -5863,7 +5754,7 @@
               <a:t>, </a:t>
             </a:r>
             <a:r>
-              <a:rPr lang="ko-KR" altLang="en-US" dirty="0" smtClean="0">
+              <a:rPr lang="ko-KR" altLang="en-US" dirty="0">
                 <a:solidFill>
                   <a:schemeClr val="tx1"/>
                 </a:solidFill>
@@ -5874,7 +5765,7 @@
               <a:t>마을</a:t>
             </a:r>
             <a:r>
-              <a:rPr lang="en-US" altLang="ko-KR" dirty="0" smtClean="0">
+              <a:rPr lang="en-US" altLang="ko-KR" dirty="0">
                 <a:solidFill>
                   <a:schemeClr val="tx1"/>
                 </a:solidFill>
@@ -5885,7 +5776,7 @@
               <a:t>, </a:t>
             </a:r>
             <a:r>
-              <a:rPr lang="ko-KR" altLang="en-US" dirty="0" smtClean="0">
+              <a:rPr lang="ko-KR" altLang="en-US" dirty="0">
                 <a:solidFill>
                   <a:schemeClr val="tx1"/>
                 </a:solidFill>
@@ -5895,14 +5786,6 @@
               </a:rPr>
               <a:t>도시</a:t>
             </a:r>
-            <a:endParaRPr lang="ko-KR" altLang="en-US" dirty="0">
-              <a:solidFill>
-                <a:schemeClr val="tx1"/>
-              </a:solidFill>
-              <a:latin typeface="KoPubWorld돋움체 Light" panose="00000300000000000000" pitchFamily="2" charset="-127"/>
-              <a:ea typeface="KoPubWorld돋움체 Light" panose="00000300000000000000" pitchFamily="2" charset="-127"/>
-              <a:cs typeface="KoPubWorld돋움체 Light" panose="00000300000000000000" pitchFamily="2" charset="-127"/>
-            </a:endParaRPr>
           </a:p>
         </p:txBody>
       </p:sp>
@@ -5992,7 +5875,7 @@
           <a:p>
             <a:pPr algn="ctr"/>
             <a:r>
-              <a:rPr lang="ko-KR" altLang="en-US" dirty="0" smtClean="0">
+              <a:rPr lang="ko-KR" altLang="en-US" dirty="0">
                 <a:solidFill>
                   <a:schemeClr val="tx1"/>
                 </a:solidFill>
@@ -6002,7 +5885,7 @@
               </a:rPr>
               <a:t>일정 </a:t>
             </a:r>
-            <a:endParaRPr lang="en-US" altLang="ko-KR" dirty="0" smtClean="0">
+            <a:endParaRPr lang="en-US" altLang="ko-KR" dirty="0">
               <a:solidFill>
                 <a:schemeClr val="tx1"/>
               </a:solidFill>
@@ -6014,7 +5897,7 @@
           <a:p>
             <a:pPr algn="ctr"/>
             <a:r>
-              <a:rPr lang="ko-KR" altLang="en-US" dirty="0" smtClean="0">
+              <a:rPr lang="ko-KR" altLang="en-US" dirty="0">
                 <a:solidFill>
                   <a:schemeClr val="tx1"/>
                 </a:solidFill>
@@ -6024,7 +5907,7 @@
               </a:rPr>
               <a:t>자원 지불</a:t>
             </a:r>
-            <a:endParaRPr lang="en-US" altLang="ko-KR" dirty="0" smtClean="0">
+            <a:endParaRPr lang="en-US" altLang="ko-KR" dirty="0">
               <a:solidFill>
                 <a:schemeClr val="tx1"/>
               </a:solidFill>
@@ -6036,7 +5919,7 @@
           <a:p>
             <a:pPr algn="ctr"/>
             <a:r>
-              <a:rPr lang="en-US" altLang="ko-KR" dirty="0" smtClean="0">
+              <a:rPr lang="en-US" altLang="ko-KR" dirty="0">
                 <a:solidFill>
                   <a:schemeClr val="tx1"/>
                 </a:solidFill>
@@ -6050,7 +5933,7 @@
           <a:p>
             <a:pPr algn="ctr"/>
             <a:r>
-              <a:rPr lang="ko-KR" altLang="en-US" dirty="0" smtClean="0">
+              <a:rPr lang="ko-KR" altLang="en-US" dirty="0">
                 <a:solidFill>
                   <a:schemeClr val="tx1"/>
                 </a:solidFill>
@@ -6060,14 +5943,6 @@
               </a:rPr>
               <a:t>일정일 소요</a:t>
             </a:r>
-            <a:endParaRPr lang="ko-KR" altLang="en-US" dirty="0">
-              <a:solidFill>
-                <a:schemeClr val="tx1"/>
-              </a:solidFill>
-              <a:latin typeface="KoPubWorld돋움체 Light" panose="00000300000000000000" pitchFamily="2" charset="-127"/>
-              <a:ea typeface="KoPubWorld돋움체 Light" panose="00000300000000000000" pitchFamily="2" charset="-127"/>
-              <a:cs typeface="KoPubWorld돋움체 Light" panose="00000300000000000000" pitchFamily="2" charset="-127"/>
-            </a:endParaRPr>
           </a:p>
         </p:txBody>
       </p:sp>
@@ -6156,7 +6031,7 @@
           <a:p>
             <a:pPr algn="ctr"/>
             <a:r>
-              <a:rPr lang="ko-KR" altLang="en-US" dirty="0" smtClean="0">
+              <a:rPr lang="ko-KR" altLang="en-US" dirty="0">
                 <a:solidFill>
                   <a:schemeClr val="tx1"/>
                 </a:solidFill>
@@ -6166,14 +6041,6 @@
               </a:rPr>
               <a:t>일정 일에 도달할 때 마다 발생</a:t>
             </a:r>
-            <a:endParaRPr lang="ko-KR" altLang="en-US" dirty="0">
-              <a:solidFill>
-                <a:schemeClr val="tx1"/>
-              </a:solidFill>
-              <a:latin typeface="KoPubWorld돋움체 Light" panose="00000300000000000000" pitchFamily="2" charset="-127"/>
-              <a:ea typeface="KoPubWorld돋움체 Light" panose="00000300000000000000" pitchFamily="2" charset="-127"/>
-              <a:cs typeface="KoPubWorld돋움체 Light" panose="00000300000000000000" pitchFamily="2" charset="-127"/>
-            </a:endParaRPr>
           </a:p>
         </p:txBody>
       </p:sp>
@@ -6262,7 +6129,7 @@
           <a:p>
             <a:pPr algn="ctr"/>
             <a:r>
-              <a:rPr lang="ko-KR" altLang="en-US" dirty="0" smtClean="0">
+              <a:rPr lang="ko-KR" altLang="en-US" dirty="0">
                 <a:solidFill>
                   <a:schemeClr val="tx1"/>
                 </a:solidFill>
@@ -6272,14 +6139,6 @@
               </a:rPr>
               <a:t>자원 거래 및 판매</a:t>
             </a:r>
-            <a:endParaRPr lang="ko-KR" altLang="en-US" dirty="0">
-              <a:solidFill>
-                <a:schemeClr val="tx1"/>
-              </a:solidFill>
-              <a:latin typeface="KoPubWorld돋움체 Light" panose="00000300000000000000" pitchFamily="2" charset="-127"/>
-              <a:ea typeface="KoPubWorld돋움체 Light" panose="00000300000000000000" pitchFamily="2" charset="-127"/>
-              <a:cs typeface="KoPubWorld돋움체 Light" panose="00000300000000000000" pitchFamily="2" charset="-127"/>
-            </a:endParaRPr>
           </a:p>
         </p:txBody>
       </p:sp>
@@ -6368,7 +6227,7 @@
           <a:p>
             <a:pPr algn="ctr"/>
             <a:r>
-              <a:rPr lang="ko-KR" altLang="en-US" dirty="0" smtClean="0">
+              <a:rPr lang="ko-KR" altLang="en-US" dirty="0">
                 <a:solidFill>
                   <a:schemeClr val="tx1"/>
                 </a:solidFill>
@@ -6378,10 +6237,61 @@
               </a:rPr>
               <a:t>일정 일 이후 완료</a:t>
             </a:r>
-            <a:endParaRPr lang="ko-KR" altLang="en-US" dirty="0">
-              <a:solidFill>
-                <a:schemeClr val="tx1"/>
-              </a:solidFill>
+          </a:p>
+        </p:txBody>
+      </p:sp>
+      <p:sp>
+        <p:nvSpPr>
+          <p:cNvPr id="37" name="직사각형 36">
+            <a:extLst>
+              <a:ext uri="{FF2B5EF4-FFF2-40B4-BE49-F238E27FC236}">
+                <a16:creationId xmlns:a16="http://schemas.microsoft.com/office/drawing/2014/main" id="{CD403A34-7002-4336-A153-22D86BF72A99}"/>
+              </a:ext>
+            </a:extLst>
+          </p:cNvPr>
+          <p:cNvSpPr/>
+          <p:nvPr/>
+        </p:nvSpPr>
+        <p:spPr>
+          <a:xfrm>
+            <a:off x="4996729" y="6259968"/>
+            <a:ext cx="6367804" cy="430887"/>
+          </a:xfrm>
+          <a:prstGeom prst="rect">
+            <a:avLst/>
+          </a:prstGeom>
+          <a:noFill/>
+        </p:spPr>
+        <p:txBody>
+          <a:bodyPr wrap="square">
+            <a:spAutoFit/>
+          </a:bodyPr>
+          <a:lstStyle/>
+          <a:p>
+            <a:pPr marR="0" lvl="0" algn="r" defTabSz="914400" rtl="0" eaLnBrk="1" fontAlgn="auto" latinLnBrk="0" hangingPunct="1">
+              <a:lnSpc>
+                <a:spcPct val="150000"/>
+              </a:lnSpc>
+              <a:spcBef>
+                <a:spcPts val="0"/>
+              </a:spcBef>
+              <a:spcAft>
+                <a:spcPts val="0"/>
+              </a:spcAft>
+              <a:buClrTx/>
+              <a:buSzTx/>
+              <a:tabLst/>
+              <a:defRPr/>
+            </a:pPr>
+            <a:r>
+              <a:rPr lang="ko-KR" altLang="en-US" sz="1600" kern="0" dirty="0">
+                <a:latin typeface="KoPubWorld돋움체 Light" panose="00000300000000000000" pitchFamily="2" charset="-127"/>
+                <a:ea typeface="KoPubWorld돋움체 Light" panose="00000300000000000000" pitchFamily="2" charset="-127"/>
+                <a:cs typeface="KoPubWorld돋움체 Light" panose="00000300000000000000" pitchFamily="2" charset="-127"/>
+              </a:rPr>
+              <a:t>구체적인 섬 개발</a:t>
+            </a:r>
+            <a:endParaRPr lang="en-US" altLang="ko-KR" sz="1600" kern="0" dirty="0">
               <a:latin typeface="KoPubWorld돋움체 Light" panose="00000300000000000000" pitchFamily="2" charset="-127"/>
               <a:ea typeface="KoPubWorld돋움체 Light" panose="00000300000000000000" pitchFamily="2" charset="-127"/>
               <a:cs typeface="KoPubWorld돋움체 Light" panose="00000300000000000000" pitchFamily="2" charset="-127"/>
